--- a/public/GEE_P14_Meeting_Tracker_V2.pptx
+++ b/public/GEE_P14_Meeting_Tracker_V2.pptx
@@ -994,12 +994,8 @@
         <a:lstStyle/>
         <a:p>
           <a:r>
-            <a:rPr lang="en-US" b="1" i="0" dirty="0" err="1"/>
-            <a:t>Dats</a:t>
-          </a:r>
-          <a:r>
             <a:rPr lang="en-US" b="1" i="0" dirty="0"/>
-            <a:t> shows the majority (about 83%) spend up to a third of the workweek in meetings!</a:t>
+            <a:t>Dates shows the majority (about 83%) spend up to a third of the workweek in meetings!</a:t>
           </a:r>
           <a:endParaRPr lang="de-DE" dirty="0"/>
         </a:p>
@@ -1248,12 +1244,8 @@
             <a:buNone/>
           </a:pPr>
           <a:r>
-            <a:rPr lang="en-US" sz="2400" b="1" i="0" kern="1200" dirty="0" err="1"/>
-            <a:t>Dats</a:t>
-          </a:r>
-          <a:r>
             <a:rPr lang="en-US" sz="2400" b="1" i="0" kern="1200" dirty="0"/>
-            <a:t> shows the majority (about 83%) spend up to a third of the workweek in meetings!</a:t>
+            <a:t>Dates shows the majority (about 83%) spend up to a third of the workweek in meetings!</a:t>
           </a:r>
           <a:endParaRPr lang="de-DE" sz="2400" kern="1200" dirty="0"/>
         </a:p>
@@ -2550,7 +2542,7 @@
           <a:p>
             <a:fld id="{E013A320-D1A0-4A74-AF3B-BF64B83ABC97}" type="datetimeFigureOut">
               <a:rPr lang="de-DE" smtClean="0"/>
-              <a:t>09.06.2022</a:t>
+              <a:t>10.06.2022</a:t>
             </a:fld>
             <a:endParaRPr lang="de-DE"/>
           </a:p>
@@ -2709,7 +2701,7 @@
           <a:p>
             <a:fld id="{9DDE79BC-078D-4349-8EA0-DA80C050B76A}" type="slidenum">
               <a:rPr lang="de-DE" smtClean="0"/>
-              <a:t>‹#›</a:t>
+              <a:t>‹Nr.›</a:t>
             </a:fld>
             <a:endParaRPr lang="de-DE"/>
           </a:p>
@@ -3051,7 +3043,7 @@
           <a:p>
             <a:fld id="{5D1FA327-3334-48A8-99ED-1AE3159BE910}" type="datetimeFigureOut">
               <a:rPr lang="de-DE" smtClean="0"/>
-              <a:t>09.06.2022</a:t>
+              <a:t>10.06.2022</a:t>
             </a:fld>
             <a:endParaRPr lang="de-DE"/>
           </a:p>
@@ -3105,7 +3097,7 @@
           <a:p>
             <a:fld id="{03C94B5D-5C7C-49AB-9A73-82A05E9CFF95}" type="slidenum">
               <a:rPr lang="de-DE" smtClean="0"/>
-              <a:t>‹#›</a:t>
+              <a:t>‹Nr.›</a:t>
             </a:fld>
             <a:endParaRPr lang="de-DE"/>
           </a:p>
@@ -3251,7 +3243,7 @@
           <a:p>
             <a:fld id="{5D1FA327-3334-48A8-99ED-1AE3159BE910}" type="datetimeFigureOut">
               <a:rPr lang="de-DE" smtClean="0"/>
-              <a:t>09.06.2022</a:t>
+              <a:t>10.06.2022</a:t>
             </a:fld>
             <a:endParaRPr lang="de-DE"/>
           </a:p>
@@ -3305,7 +3297,7 @@
           <a:p>
             <a:fld id="{03C94B5D-5C7C-49AB-9A73-82A05E9CFF95}" type="slidenum">
               <a:rPr lang="de-DE" smtClean="0"/>
-              <a:t>‹#›</a:t>
+              <a:t>‹Nr.›</a:t>
             </a:fld>
             <a:endParaRPr lang="de-DE"/>
           </a:p>
@@ -3461,7 +3453,7 @@
           <a:p>
             <a:fld id="{5D1FA327-3334-48A8-99ED-1AE3159BE910}" type="datetimeFigureOut">
               <a:rPr lang="de-DE" smtClean="0"/>
-              <a:t>09.06.2022</a:t>
+              <a:t>10.06.2022</a:t>
             </a:fld>
             <a:endParaRPr lang="de-DE"/>
           </a:p>
@@ -3515,7 +3507,7 @@
           <a:p>
             <a:fld id="{03C94B5D-5C7C-49AB-9A73-82A05E9CFF95}" type="slidenum">
               <a:rPr lang="de-DE" smtClean="0"/>
-              <a:t>‹#›</a:t>
+              <a:t>‹Nr.›</a:t>
             </a:fld>
             <a:endParaRPr lang="de-DE"/>
           </a:p>
@@ -3661,7 +3653,7 @@
           <a:p>
             <a:fld id="{5D1FA327-3334-48A8-99ED-1AE3159BE910}" type="datetimeFigureOut">
               <a:rPr lang="de-DE" smtClean="0"/>
-              <a:t>09.06.2022</a:t>
+              <a:t>10.06.2022</a:t>
             </a:fld>
             <a:endParaRPr lang="de-DE"/>
           </a:p>
@@ -3715,7 +3707,7 @@
           <a:p>
             <a:fld id="{03C94B5D-5C7C-49AB-9A73-82A05E9CFF95}" type="slidenum">
               <a:rPr lang="de-DE" smtClean="0"/>
-              <a:t>‹#›</a:t>
+              <a:t>‹Nr.›</a:t>
             </a:fld>
             <a:endParaRPr lang="de-DE"/>
           </a:p>
@@ -3937,7 +3929,7 @@
           <a:p>
             <a:fld id="{5D1FA327-3334-48A8-99ED-1AE3159BE910}" type="datetimeFigureOut">
               <a:rPr lang="de-DE" smtClean="0"/>
-              <a:t>09.06.2022</a:t>
+              <a:t>10.06.2022</a:t>
             </a:fld>
             <a:endParaRPr lang="de-DE"/>
           </a:p>
@@ -3991,7 +3983,7 @@
           <a:p>
             <a:fld id="{03C94B5D-5C7C-49AB-9A73-82A05E9CFF95}" type="slidenum">
               <a:rPr lang="de-DE" smtClean="0"/>
-              <a:t>‹#›</a:t>
+              <a:t>‹Nr.›</a:t>
             </a:fld>
             <a:endParaRPr lang="de-DE"/>
           </a:p>
@@ -4205,7 +4197,7 @@
           <a:p>
             <a:fld id="{5D1FA327-3334-48A8-99ED-1AE3159BE910}" type="datetimeFigureOut">
               <a:rPr lang="de-DE" smtClean="0"/>
-              <a:t>09.06.2022</a:t>
+              <a:t>10.06.2022</a:t>
             </a:fld>
             <a:endParaRPr lang="de-DE"/>
           </a:p>
@@ -4259,7 +4251,7 @@
           <a:p>
             <a:fld id="{03C94B5D-5C7C-49AB-9A73-82A05E9CFF95}" type="slidenum">
               <a:rPr lang="de-DE" smtClean="0"/>
-              <a:t>‹#›</a:t>
+              <a:t>‹Nr.›</a:t>
             </a:fld>
             <a:endParaRPr lang="de-DE"/>
           </a:p>
@@ -4620,7 +4612,7 @@
           <a:p>
             <a:fld id="{5D1FA327-3334-48A8-99ED-1AE3159BE910}" type="datetimeFigureOut">
               <a:rPr lang="de-DE" smtClean="0"/>
-              <a:t>09.06.2022</a:t>
+              <a:t>10.06.2022</a:t>
             </a:fld>
             <a:endParaRPr lang="de-DE"/>
           </a:p>
@@ -4674,7 +4666,7 @@
           <a:p>
             <a:fld id="{03C94B5D-5C7C-49AB-9A73-82A05E9CFF95}" type="slidenum">
               <a:rPr lang="de-DE" smtClean="0"/>
-              <a:t>‹#›</a:t>
+              <a:t>‹Nr.›</a:t>
             </a:fld>
             <a:endParaRPr lang="de-DE"/>
           </a:p>
@@ -4762,7 +4754,7 @@
           <a:p>
             <a:fld id="{5D1FA327-3334-48A8-99ED-1AE3159BE910}" type="datetimeFigureOut">
               <a:rPr lang="de-DE" smtClean="0"/>
-              <a:t>09.06.2022</a:t>
+              <a:t>10.06.2022</a:t>
             </a:fld>
             <a:endParaRPr lang="de-DE"/>
           </a:p>
@@ -4816,7 +4808,7 @@
           <a:p>
             <a:fld id="{03C94B5D-5C7C-49AB-9A73-82A05E9CFF95}" type="slidenum">
               <a:rPr lang="de-DE" smtClean="0"/>
-              <a:t>‹#›</a:t>
+              <a:t>‹Nr.›</a:t>
             </a:fld>
             <a:endParaRPr lang="de-DE"/>
           </a:p>
@@ -4875,7 +4867,7 @@
           <a:p>
             <a:fld id="{5D1FA327-3334-48A8-99ED-1AE3159BE910}" type="datetimeFigureOut">
               <a:rPr lang="de-DE" smtClean="0"/>
-              <a:t>09.06.2022</a:t>
+              <a:t>10.06.2022</a:t>
             </a:fld>
             <a:endParaRPr lang="de-DE"/>
           </a:p>
@@ -4929,7 +4921,7 @@
           <a:p>
             <a:fld id="{03C94B5D-5C7C-49AB-9A73-82A05E9CFF95}" type="slidenum">
               <a:rPr lang="de-DE" smtClean="0"/>
-              <a:t>‹#›</a:t>
+              <a:t>‹Nr.›</a:t>
             </a:fld>
             <a:endParaRPr lang="de-DE"/>
           </a:p>
@@ -5188,7 +5180,7 @@
           <a:p>
             <a:fld id="{5D1FA327-3334-48A8-99ED-1AE3159BE910}" type="datetimeFigureOut">
               <a:rPr lang="de-DE" smtClean="0"/>
-              <a:t>09.06.2022</a:t>
+              <a:t>10.06.2022</a:t>
             </a:fld>
             <a:endParaRPr lang="de-DE"/>
           </a:p>
@@ -5242,7 +5234,7 @@
           <a:p>
             <a:fld id="{03C94B5D-5C7C-49AB-9A73-82A05E9CFF95}" type="slidenum">
               <a:rPr lang="de-DE" smtClean="0"/>
-              <a:t>‹#›</a:t>
+              <a:t>‹Nr.›</a:t>
             </a:fld>
             <a:endParaRPr lang="de-DE"/>
           </a:p>
@@ -5477,7 +5469,7 @@
           <a:p>
             <a:fld id="{5D1FA327-3334-48A8-99ED-1AE3159BE910}" type="datetimeFigureOut">
               <a:rPr lang="de-DE" smtClean="0"/>
-              <a:t>09.06.2022</a:t>
+              <a:t>10.06.2022</a:t>
             </a:fld>
             <a:endParaRPr lang="de-DE"/>
           </a:p>
@@ -5531,7 +5523,7 @@
           <a:p>
             <a:fld id="{03C94B5D-5C7C-49AB-9A73-82A05E9CFF95}" type="slidenum">
               <a:rPr lang="de-DE" smtClean="0"/>
-              <a:t>‹#›</a:t>
+              <a:t>‹Nr.›</a:t>
             </a:fld>
             <a:endParaRPr lang="de-DE"/>
           </a:p>
@@ -5720,7 +5712,7 @@
           <a:p>
             <a:fld id="{5D1FA327-3334-48A8-99ED-1AE3159BE910}" type="datetimeFigureOut">
               <a:rPr lang="de-DE" smtClean="0"/>
-              <a:t>09.06.2022</a:t>
+              <a:t>10.06.2022</a:t>
             </a:fld>
             <a:endParaRPr lang="de-DE"/>
           </a:p>
@@ -5810,7 +5802,7 @@
           <a:p>
             <a:fld id="{03C94B5D-5C7C-49AB-9A73-82A05E9CFF95}" type="slidenum">
               <a:rPr lang="de-DE" smtClean="0"/>
-              <a:t>‹#›</a:t>
+              <a:t>‹Nr.›</a:t>
             </a:fld>
             <a:endParaRPr lang="de-DE"/>
           </a:p>
@@ -6611,7 +6603,7 @@
           <p:nvPr>
             <p:extLst>
               <p:ext uri="{D42A27DB-BD31-4B8C-83A1-F6EECF244321}">
-                <p14:modId xmlns:p14="http://schemas.microsoft.com/office/powerpoint/2010/main" val="2970275387"/>
+                <p14:modId xmlns:p14="http://schemas.microsoft.com/office/powerpoint/2010/main" val="643752671"/>
               </p:ext>
             </p:extLst>
           </p:nvPr>
@@ -7010,7 +7002,7 @@
         <p:spPr>
           <a:xfrm>
             <a:off x="5161120" y="1773200"/>
-            <a:ext cx="6492664" cy="3377396"/>
+            <a:ext cx="5981497" cy="1760303"/>
           </a:xfrm>
         </p:spPr>
       </p:pic>
@@ -7036,8 +7028,8 @@
         </p:blipFill>
         <p:spPr>
           <a:xfrm>
-            <a:off x="6096000" y="3686472"/>
-            <a:ext cx="3889664" cy="2610419"/>
+            <a:off x="7101838" y="3111707"/>
+            <a:ext cx="2381795" cy="2610419"/>
           </a:xfrm>
           <a:prstGeom prst="rect">
             <a:avLst/>

--- a/public/GEE_P14_Meeting_Tracker_V2.pptx
+++ b/public/GEE_P14_Meeting_Tracker_V2.pptx
@@ -6675,16 +6675,8 @@
           <a:lstStyle/>
           <a:p>
             <a:r>
-              <a:rPr lang="de-DE" b="1" dirty="0"/>
-              <a:t>Next </a:t>
-            </a:r>
-            <a:r>
-              <a:rPr lang="de-DE" b="1" dirty="0" err="1"/>
-              <a:t>Steps</a:t>
-            </a:r>
-            <a:r>
-              <a:rPr lang="de-DE" b="1" dirty="0"/>
-              <a:t>….</a:t>
+              <a:rPr lang="en-AU" b="1" dirty="0"/>
+              <a:t>Next Steps….</a:t>
             </a:r>
           </a:p>
         </p:txBody>
@@ -6718,74 +6710,14 @@
           <a:lstStyle/>
           <a:p>
             <a:r>
-              <a:rPr lang="de-DE" b="1" dirty="0" err="1"/>
-              <a:t>Socialize</a:t>
-            </a:r>
-            <a:r>
-              <a:rPr lang="de-DE" b="1" dirty="0"/>
-              <a:t> </a:t>
-            </a:r>
-            <a:r>
-              <a:rPr lang="de-DE" b="1" dirty="0" err="1"/>
-              <a:t>within</a:t>
-            </a:r>
-            <a:r>
-              <a:rPr lang="de-DE" b="1" dirty="0"/>
-              <a:t> DB. Promote not </a:t>
-            </a:r>
-            <a:r>
-              <a:rPr lang="de-DE" b="1" dirty="0" err="1"/>
-              <a:t>as</a:t>
-            </a:r>
-            <a:r>
-              <a:rPr lang="de-DE" b="1" dirty="0"/>
-              <a:t> </a:t>
-            </a:r>
-            <a:r>
-              <a:rPr lang="de-DE" b="1" dirty="0" err="1"/>
-              <a:t>penalty</a:t>
-            </a:r>
-            <a:r>
-              <a:rPr lang="de-DE" b="1" dirty="0"/>
-              <a:t>, </a:t>
-            </a:r>
-          </a:p>
-          <a:p>
-            <a:r>
-              <a:rPr lang="de-DE" b="1" dirty="0"/>
-              <a:t>but </a:t>
-            </a:r>
-            <a:r>
-              <a:rPr lang="de-DE" b="1" dirty="0" err="1"/>
-              <a:t>as</a:t>
-            </a:r>
-            <a:r>
-              <a:rPr lang="de-DE" b="1" dirty="0"/>
-              <a:t> a </a:t>
-            </a:r>
-            <a:r>
-              <a:rPr lang="de-DE" b="1" dirty="0" err="1"/>
-              <a:t>badge</a:t>
-            </a:r>
-            <a:r>
-              <a:rPr lang="de-DE" b="1" dirty="0"/>
-              <a:t> </a:t>
-            </a:r>
-            <a:r>
-              <a:rPr lang="de-DE" b="1" dirty="0" err="1"/>
-              <a:t>of</a:t>
-            </a:r>
-            <a:r>
-              <a:rPr lang="de-DE" b="1" dirty="0"/>
-              <a:t> </a:t>
-            </a:r>
-            <a:r>
-              <a:rPr lang="de-DE" b="1" dirty="0" err="1"/>
-              <a:t>honour</a:t>
-            </a:r>
-            <a:r>
-              <a:rPr lang="de-DE" b="1" dirty="0"/>
-              <a:t>.</a:t>
+              <a:rPr lang="en-AU" b="1" dirty="0"/>
+              <a:t>Socialize within DB. Promote not as penalty, </a:t>
+            </a:r>
+          </a:p>
+          <a:p>
+            <a:r>
+              <a:rPr lang="en-AU" b="1" dirty="0"/>
+              <a:t>but as a badge of honour.</a:t>
             </a:r>
           </a:p>
         </p:txBody>
@@ -6804,7 +6736,7 @@
         </p:nvSpPr>
         <p:spPr>
           <a:xfrm>
-            <a:off x="5882217" y="1232236"/>
+            <a:off x="4876377" y="1075550"/>
             <a:ext cx="5547783" cy="369332"/>
           </a:xfrm>
           <a:prstGeom prst="rect">
@@ -6854,8 +6786,8 @@
         </p:blipFill>
         <p:spPr bwMode="auto">
           <a:xfrm>
-            <a:off x="294969" y="2706170"/>
-            <a:ext cx="4171154" cy="2816826"/>
+            <a:off x="379877" y="2322673"/>
+            <a:ext cx="2885837" cy="2486316"/>
           </a:xfrm>
           <a:prstGeom prst="rect">
             <a:avLst/>
@@ -6886,7 +6818,7 @@
         </p:nvSpPr>
         <p:spPr>
           <a:xfrm>
-            <a:off x="2595761" y="4114583"/>
+            <a:off x="2086310" y="3827200"/>
             <a:ext cx="1870362" cy="1388812"/>
           </a:xfrm>
           <a:prstGeom prst="horizontalScroll">
@@ -6969,7 +6901,7 @@
         </p:blipFill>
         <p:spPr>
           <a:xfrm>
-            <a:off x="3541663" y="4897279"/>
+            <a:off x="3032212" y="4609896"/>
             <a:ext cx="467033" cy="467033"/>
           </a:xfrm>
           <a:prstGeom prst="rect">
@@ -6979,39 +6911,46 @@
       </p:pic>
       <p:pic>
         <p:nvPicPr>
-          <p:cNvPr id="16" name="Content Placeholder 15">
-            <a:extLst>
-              <a:ext uri="{FF2B5EF4-FFF2-40B4-BE49-F238E27FC236}">
-                <a16:creationId xmlns:a16="http://schemas.microsoft.com/office/drawing/2014/main" id="{E03343DB-BCBD-47F0-9FB5-BD76E4F76EBF}"/>
+          <p:cNvPr id="4" name="Grafik 3">
+            <a:extLst>
+              <a:ext uri="{FF2B5EF4-FFF2-40B4-BE49-F238E27FC236}">
+                <a16:creationId xmlns:a16="http://schemas.microsoft.com/office/drawing/2014/main" id="{8CE8807F-1701-4A7F-8FE1-3AEB0C6D1D35}"/>
               </a:ext>
             </a:extLst>
           </p:cNvPr>
           <p:cNvPicPr>
-            <a:picLocks noGrp="1" noChangeAspect="1"/>
+            <a:picLocks noChangeAspect="1"/>
           </p:cNvPicPr>
-          <p:nvPr>
-            <p:ph idx="1"/>
-          </p:nvPr>
+          <p:nvPr/>
         </p:nvPicPr>
         <p:blipFill>
-          <a:blip r:embed="rId5"/>
+          <a:blip r:embed="rId5">
+            <a:extLst>
+              <a:ext uri="{28A0092B-C50C-407E-A947-70E740481C1C}">
+                <a14:useLocalDpi xmlns:a14="http://schemas.microsoft.com/office/drawing/2010/main" val="0"/>
+              </a:ext>
+            </a:extLst>
+          </a:blip>
           <a:stretch>
             <a:fillRect/>
           </a:stretch>
         </p:blipFill>
         <p:spPr>
           <a:xfrm>
-            <a:off x="5161120" y="1773200"/>
-            <a:ext cx="5981497" cy="1760303"/>
+            <a:off x="5008391" y="1652021"/>
+            <a:ext cx="3671976" cy="3978268"/>
           </a:xfrm>
+          <a:prstGeom prst="rect">
+            <a:avLst/>
+          </a:prstGeom>
         </p:spPr>
       </p:pic>
       <p:pic>
         <p:nvPicPr>
-          <p:cNvPr id="18" name="Picture 17">
-            <a:extLst>
-              <a:ext uri="{FF2B5EF4-FFF2-40B4-BE49-F238E27FC236}">
-                <a16:creationId xmlns:a16="http://schemas.microsoft.com/office/drawing/2014/main" id="{4BF4B82A-959D-493C-AFAD-65C44834007A}"/>
+          <p:cNvPr id="11" name="Grafik 10">
+            <a:extLst>
+              <a:ext uri="{FF2B5EF4-FFF2-40B4-BE49-F238E27FC236}">
+                <a16:creationId xmlns:a16="http://schemas.microsoft.com/office/drawing/2014/main" id="{9A12DF2C-F2AA-4202-885F-728AC3A02AB9}"/>
               </a:ext>
             </a:extLst>
           </p:cNvPr>
@@ -7021,15 +6960,21 @@
           <p:nvPr/>
         </p:nvPicPr>
         <p:blipFill>
-          <a:blip r:embed="rId6"/>
+          <a:blip r:embed="rId6">
+            <a:extLst>
+              <a:ext uri="{28A0092B-C50C-407E-A947-70E740481C1C}">
+                <a14:useLocalDpi xmlns:a14="http://schemas.microsoft.com/office/drawing/2010/main" val="0"/>
+              </a:ext>
+            </a:extLst>
+          </a:blip>
           <a:stretch>
             <a:fillRect/>
           </a:stretch>
         </p:blipFill>
         <p:spPr>
           <a:xfrm>
-            <a:off x="7101838" y="3111707"/>
-            <a:ext cx="2381795" cy="2610419"/>
+            <a:off x="7436400" y="3641155"/>
+            <a:ext cx="4548526" cy="2851719"/>
           </a:xfrm>
           <a:prstGeom prst="rect">
             <a:avLst/>
